--- a/doc/Kubernetes CNI.pptx
+++ b/doc/Kubernetes CNI.pptx
@@ -5,10 +5,10 @@
     <p:sldMasterId id="2147483648" r:id="rId1"/>
   </p:sldMasterIdLst>
   <p:notesMasterIdLst>
-    <p:notesMasterId r:id="rId14"/>
+    <p:notesMasterId r:id="rId10"/>
   </p:notesMasterIdLst>
   <p:handoutMasterIdLst>
-    <p:handoutMasterId r:id="rId18"/>
+    <p:handoutMasterId r:id="rId19"/>
   </p:handoutMasterIdLst>
   <p:sldIdLst>
     <p:sldId id="256" r:id="rId3"/>
@@ -17,14 +17,15 @@
     <p:sldId id="259" r:id="rId6"/>
     <p:sldId id="261" r:id="rId7"/>
     <p:sldId id="264" r:id="rId8"/>
-    <p:sldId id="266" r:id="rId9"/>
-    <p:sldId id="267" r:id="rId10"/>
-    <p:sldId id="263" r:id="rId11"/>
-    <p:sldId id="260" r:id="rId12"/>
-    <p:sldId id="262" r:id="rId13"/>
-    <p:sldId id="268" r:id="rId15"/>
-    <p:sldId id="270" r:id="rId16"/>
-    <p:sldId id="269" r:id="rId17"/>
+    <p:sldId id="274" r:id="rId9"/>
+    <p:sldId id="266" r:id="rId11"/>
+    <p:sldId id="267" r:id="rId12"/>
+    <p:sldId id="263" r:id="rId13"/>
+    <p:sldId id="260" r:id="rId14"/>
+    <p:sldId id="262" r:id="rId15"/>
+    <p:sldId id="268" r:id="rId16"/>
+    <p:sldId id="270" r:id="rId17"/>
+    <p:sldId id="269" r:id="rId18"/>
   </p:sldIdLst>
   <p:sldSz cx="12192000" cy="6858000"/>
   <p:notesSz cx="6858000" cy="9144000"/>
@@ -123,22 +124,6 @@
       </a:defRPr>
     </a:lvl9pPr>
   </p:defaultTextStyle>
-  <p:extLst>
-    <p:ext uri="{EFAFB233-063F-42B5-8137-9DF3F51BA10A}">
-      <p15:sldGuideLst xmlns:p15="http://schemas.microsoft.com/office/powerpoint/2012/main">
-        <p15:guide id="1" orient="horz" pos="2160" userDrawn="1">
-          <p15:clr>
-            <a:srgbClr val="A4A3A4"/>
-          </p15:clr>
-        </p15:guide>
-        <p15:guide id="2" pos="3838" userDrawn="1">
-          <p15:clr>
-            <a:srgbClr val="A4A3A4"/>
-          </p15:clr>
-        </p15:guide>
-      </p15:sldGuideLst>
-    </p:ext>
-  </p:extLst>
 </p:presentation>
 </file>
 
@@ -659,6 +644,50 @@
       <p:grpSpPr/>
       <p:sp>
         <p:nvSpPr>
+          <p:cNvPr id="2" name="Slide Image Placeholder 1"/>
+          <p:cNvSpPr/>
+          <p:nvPr>
+            <p:ph type="sldImg" idx="2"/>
+          </p:nvPr>
+        </p:nvSpPr>
+        <p:spPr/>
+      </p:sp>
+      <p:sp>
+        <p:nvSpPr>
+          <p:cNvPr id="3" name="Text Placeholder 2"/>
+          <p:cNvSpPr/>
+          <p:nvPr>
+            <p:ph type="body" idx="3"/>
+          </p:nvPr>
+        </p:nvSpPr>
+        <p:spPr/>
+        <p:txBody>
+          <a:bodyPr/>
+          <a:p>
+            <a:endParaRPr lang="en-US"/>
+          </a:p>
+        </p:txBody>
+      </p:sp>
+    </p:spTree>
+  </p:cSld>
+  <p:clrMapOvr>
+    <a:masterClrMapping/>
+  </p:clrMapOvr>
+</p:notes>
+</file>
+
+<file path=ppt/notesSlides/notesSlide2.xml><?xml version="1.0" encoding="utf-8"?>
+<p:notes xmlns:a="http://schemas.openxmlformats.org/drawingml/2006/main" xmlns:r="http://schemas.openxmlformats.org/officeDocument/2006/relationships" xmlns:p="http://schemas.openxmlformats.org/presentationml/2006/main">
+  <p:cSld>
+    <p:spTree>
+      <p:nvGrpSpPr>
+        <p:cNvPr id="1" name=""/>
+        <p:cNvGrpSpPr/>
+        <p:nvPr/>
+      </p:nvGrpSpPr>
+      <p:grpSpPr/>
+      <p:sp>
+        <p:nvSpPr>
           <p:cNvPr id="2" name="幻灯片图像占位符 1"/>
           <p:cNvSpPr>
             <a:spLocks noGrp="1"/>
@@ -695,7 +724,7 @@
 </p:notes>
 </file>
 
-<file path=ppt/notesSlides/notesSlide2.xml><?xml version="1.0" encoding="utf-8"?>
+<file path=ppt/notesSlides/notesSlide3.xml><?xml version="1.0" encoding="utf-8"?>
 <p:notes xmlns:a="http://schemas.openxmlformats.org/drawingml/2006/main" xmlns:r="http://schemas.openxmlformats.org/officeDocument/2006/relationships" xmlns:p="http://schemas.openxmlformats.org/presentationml/2006/main">
   <p:cSld>
     <p:spTree>
@@ -3393,7 +3422,7 @@
         <a:spcAft>
           <a:spcPts val="1000"/>
         </a:spcAft>
-        <a:buFont typeface="Arial" panose="020B0604020202090204" pitchFamily="34" charset="0"/>
+        <a:buFont typeface="Arial" panose="02080604020202020204" pitchFamily="34" charset="0"/>
         <a:buChar char="●"/>
         <a:defRPr sz="1800" u="none" strike="noStrike" kern="1200" cap="none" spc="150" normalizeH="0" baseline="0">
           <a:solidFill>
@@ -3418,7 +3447,7 @@
         <a:spcAft>
           <a:spcPts val="600"/>
         </a:spcAft>
-        <a:buFont typeface="Arial" panose="020B0604020202090204" pitchFamily="34" charset="0"/>
+        <a:buFont typeface="Arial" panose="02080604020202020204" pitchFamily="34" charset="0"/>
         <a:buChar char="●"/>
         <a:tabLst>
           <a:tab pos="1609725" algn="l"/>
@@ -3449,7 +3478,7 @@
         <a:spcAft>
           <a:spcPts val="600"/>
         </a:spcAft>
-        <a:buFont typeface="Arial" panose="020B0604020202090204" pitchFamily="34" charset="0"/>
+        <a:buFont typeface="Arial" panose="02080604020202020204" pitchFamily="34" charset="0"/>
         <a:buChar char="●"/>
         <a:defRPr sz="1600" u="none" strike="noStrike" kern="1200" cap="none" spc="150" normalizeH="0" baseline="0">
           <a:solidFill>
@@ -3499,7 +3528,7 @@
         <a:spcAft>
           <a:spcPts val="300"/>
         </a:spcAft>
-        <a:buFont typeface="Arial" panose="020B0604020202090204" pitchFamily="34" charset="0"/>
+        <a:buFont typeface="Arial" panose="02080604020202020204" pitchFamily="34" charset="0"/>
         <a:buChar char="•"/>
         <a:defRPr sz="1400" u="none" strike="noStrike" kern="1200" cap="none" spc="150" normalizeH="0" baseline="0">
           <a:solidFill>
@@ -3521,7 +3550,7 @@
         <a:spcBef>
           <a:spcPts val="500"/>
         </a:spcBef>
-        <a:buFont typeface="Arial" panose="020B0604020202090204" pitchFamily="34" charset="0"/>
+        <a:buFont typeface="Arial" panose="02080604020202020204" pitchFamily="34" charset="0"/>
         <a:buChar char="•"/>
         <a:defRPr sz="1800" kern="1200">
           <a:solidFill>
@@ -3539,7 +3568,7 @@
         <a:spcBef>
           <a:spcPts val="500"/>
         </a:spcBef>
-        <a:buFont typeface="Arial" panose="020B0604020202090204" pitchFamily="34" charset="0"/>
+        <a:buFont typeface="Arial" panose="02080604020202020204" pitchFamily="34" charset="0"/>
         <a:buChar char="•"/>
         <a:defRPr sz="1800" kern="1200">
           <a:solidFill>
@@ -3557,7 +3586,7 @@
         <a:spcBef>
           <a:spcPts val="500"/>
         </a:spcBef>
-        <a:buFont typeface="Arial" panose="020B0604020202090204" pitchFamily="34" charset="0"/>
+        <a:buFont typeface="Arial" panose="02080604020202020204" pitchFamily="34" charset="0"/>
         <a:buChar char="•"/>
         <a:defRPr sz="1800" kern="1200">
           <a:solidFill>
@@ -3575,7 +3604,7 @@
         <a:spcBef>
           <a:spcPts val="500"/>
         </a:spcBef>
-        <a:buFont typeface="Arial" panose="020B0604020202090204" pitchFamily="34" charset="0"/>
+        <a:buFont typeface="Arial" panose="02080604020202020204" pitchFamily="34" charset="0"/>
         <a:buChar char="•"/>
         <a:defRPr sz="1800" kern="1200">
           <a:solidFill>
@@ -3753,6 +3782,92 @@
         <p:nvPr/>
       </p:nvGrpSpPr>
       <p:grpSpPr/>
+      <p:pic>
+        <p:nvPicPr>
+          <p:cNvPr id="4" name="图片 3" descr="k8s-cni-conf"/>
+          <p:cNvPicPr>
+            <a:picLocks noChangeAspect="1"/>
+          </p:cNvPicPr>
+          <p:nvPr/>
+        </p:nvPicPr>
+        <p:blipFill>
+          <a:blip r:embed="rId1"/>
+          <a:stretch>
+            <a:fillRect/>
+          </a:stretch>
+        </p:blipFill>
+        <p:spPr>
+          <a:xfrm>
+            <a:off x="6527165" y="0"/>
+            <a:ext cx="5224145" cy="6858000"/>
+          </a:xfrm>
+          <a:prstGeom prst="rect">
+            <a:avLst/>
+          </a:prstGeom>
+        </p:spPr>
+      </p:pic>
+      <p:sp>
+        <p:nvSpPr>
+          <p:cNvPr id="5" name="文本框 4"/>
+          <p:cNvSpPr txBox="1"/>
+          <p:nvPr/>
+        </p:nvSpPr>
+        <p:spPr>
+          <a:xfrm>
+            <a:off x="1390650" y="343535"/>
+            <a:ext cx="4064000" cy="368300"/>
+          </a:xfrm>
+          <a:prstGeom prst="rect">
+            <a:avLst/>
+          </a:prstGeom>
+          <a:noFill/>
+        </p:spPr>
+        <p:txBody>
+          <a:bodyPr wrap="square" rtlCol="0">
+            <a:spAutoFit/>
+          </a:bodyPr>
+          <a:p>
+            <a:r>
+              <a:rPr lang="zh-CN" altLang="en-US"/>
+              <a:t>右图展示的是</a:t>
+            </a:r>
+            <a:r>
+              <a:rPr lang="en-US" altLang="zh-CN"/>
+              <a:t>flannel</a:t>
+            </a:r>
+            <a:r>
+              <a:rPr lang="zh-CN" altLang="en-US"/>
+              <a:t>的工作</a:t>
+            </a:r>
+            <a:r>
+              <a:rPr lang="zh-CN" altLang="en-US"/>
+              <a:t>流程</a:t>
+            </a:r>
+            <a:endParaRPr lang="zh-CN" altLang="en-US"/>
+          </a:p>
+        </p:txBody>
+      </p:sp>
+    </p:spTree>
+    <p:custDataLst>
+      <p:tags r:id="rId2"/>
+    </p:custDataLst>
+  </p:cSld>
+  <p:clrMapOvr>
+    <a:masterClrMapping/>
+  </p:clrMapOvr>
+</p:sld>
+</file>
+
+<file path=ppt/slides/slide11.xml><?xml version="1.0" encoding="utf-8"?>
+<p:sld xmlns:a="http://schemas.openxmlformats.org/drawingml/2006/main" xmlns:r="http://schemas.openxmlformats.org/officeDocument/2006/relationships" xmlns:p="http://schemas.openxmlformats.org/presentationml/2006/main">
+  <p:cSld>
+    <p:spTree>
+      <p:nvGrpSpPr>
+        <p:cNvPr id="1" name=""/>
+        <p:cNvGrpSpPr/>
+        <p:nvPr/>
+      </p:nvGrpSpPr>
+      <p:grpSpPr/>
       <p:sp>
         <p:nvSpPr>
           <p:cNvPr id="2" name="标题 1"/>
@@ -3822,7 +3937,7 @@
           </a:p>
           <a:p>
             <a:pPr marL="285750" indent="-285750">
-              <a:buFont typeface="Arial" panose="020B0604020202090204" pitchFamily="34" charset="0"/>
+              <a:buFont typeface="Arial" panose="02080604020202020204" pitchFamily="34" charset="0"/>
               <a:buChar char="•"/>
             </a:pPr>
             <a:r>
@@ -3889,7 +4004,7 @@
           </a:p>
           <a:p>
             <a:pPr marL="285750" indent="-285750">
-              <a:buFont typeface="Arial" panose="020B0604020202090204" pitchFamily="34" charset="0"/>
+              <a:buFont typeface="Arial" panose="02080604020202020204" pitchFamily="34" charset="0"/>
               <a:buChar char="•"/>
             </a:pPr>
             <a:r>
@@ -3940,7 +4055,7 @@
           </a:p>
           <a:p>
             <a:pPr marL="285750" indent="-285750">
-              <a:buFont typeface="Arial" panose="020B0604020202090204" pitchFamily="34" charset="0"/>
+              <a:buFont typeface="Arial" panose="02080604020202020204" pitchFamily="34" charset="0"/>
               <a:buChar char="•"/>
             </a:pPr>
             <a:r>
@@ -3959,7 +4074,7 @@
           </a:p>
           <a:p>
             <a:pPr marL="285750" indent="-285750">
-              <a:buFont typeface="Arial" panose="020B0604020202090204" pitchFamily="34" charset="0"/>
+              <a:buFont typeface="Arial" panose="02080604020202020204" pitchFamily="34" charset="0"/>
               <a:buChar char="•"/>
             </a:pPr>
             <a:r>
@@ -4033,7 +4148,7 @@
         </p:blipFill>
         <p:spPr>
           <a:xfrm>
-            <a:off x="6010275" y="1313815"/>
+            <a:off x="6179820" y="790575"/>
             <a:ext cx="4772025" cy="1152525"/>
           </a:xfrm>
           <a:prstGeom prst="rect">
@@ -4049,7 +4164,7 @@
         </p:nvSpPr>
         <p:spPr>
           <a:xfrm>
-            <a:off x="6889115" y="2663190"/>
+            <a:off x="6955790" y="2246630"/>
             <a:ext cx="3354070" cy="337185"/>
           </a:xfrm>
           <a:prstGeom prst="rect">
@@ -4095,7 +4210,7 @@
         </p:nvSpPr>
         <p:spPr>
           <a:xfrm>
-            <a:off x="6889115" y="6261100"/>
+            <a:off x="6955790" y="6186170"/>
             <a:ext cx="3354070" cy="337185"/>
           </a:xfrm>
           <a:prstGeom prst="rect">
@@ -4141,9 +4256,33 @@
           </a:p>
         </p:txBody>
       </p:sp>
+      <p:pic>
+        <p:nvPicPr>
+          <p:cNvPr id="3" name="Picture 2" descr="K8s-CNI-Structure"/>
+          <p:cNvPicPr>
+            <a:picLocks noChangeAspect="1"/>
+          </p:cNvPicPr>
+          <p:nvPr/>
+        </p:nvPicPr>
+        <p:blipFill>
+          <a:blip r:embed="rId2"/>
+          <a:stretch>
+            <a:fillRect/>
+          </a:stretch>
+        </p:blipFill>
+        <p:spPr>
+          <a:xfrm>
+            <a:off x="6179820" y="2738755"/>
+            <a:ext cx="5309235" cy="3367405"/>
+          </a:xfrm>
+          <a:prstGeom prst="rect">
+            <a:avLst/>
+          </a:prstGeom>
+        </p:spPr>
+      </p:pic>
     </p:spTree>
     <p:custDataLst>
-      <p:tags r:id="rId2"/>
+      <p:tags r:id="rId3"/>
     </p:custDataLst>
   </p:cSld>
   <p:clrMapOvr>
@@ -4152,7 +4291,7 @@
 </p:sld>
 </file>
 
-<file path=ppt/slides/slide11.xml><?xml version="1.0" encoding="utf-8"?>
+<file path=ppt/slides/slide12.xml><?xml version="1.0" encoding="utf-8"?>
 <p:sld xmlns:a="http://schemas.openxmlformats.org/drawingml/2006/main" xmlns:r="http://schemas.openxmlformats.org/officeDocument/2006/relationships" xmlns:p="http://schemas.openxmlformats.org/presentationml/2006/main">
   <p:cSld>
     <p:spTree>
@@ -4333,7 +4472,7 @@
           </a:p>
           <a:p>
             <a:pPr marL="285750" indent="-285750">
-              <a:buFont typeface="Arial" panose="020B0604020202090204" pitchFamily="34" charset="0"/>
+              <a:buFont typeface="Arial" panose="02080604020202020204" pitchFamily="34" charset="0"/>
               <a:buChar char="•"/>
             </a:pPr>
             <a:r>
@@ -4392,7 +4531,7 @@
           </a:p>
           <a:p>
             <a:pPr marL="285750" indent="-285750">
-              <a:buFont typeface="Arial" panose="020B0604020202090204" pitchFamily="34" charset="0"/>
+              <a:buFont typeface="Arial" panose="02080604020202020204" pitchFamily="34" charset="0"/>
               <a:buChar char="•"/>
             </a:pPr>
             <a:r>
@@ -4475,14 +4614,14 @@
           </a:p>
           <a:p>
             <a:pPr indent="0">
-              <a:buFont typeface="Arial" panose="020B0604020202090204" pitchFamily="34" charset="0"/>
+              <a:buFont typeface="Arial" panose="02080604020202020204" pitchFamily="34" charset="0"/>
               <a:buNone/>
             </a:pPr>
             <a:endParaRPr lang="zh-CN" altLang="en-US" sz="1600"/>
           </a:p>
           <a:p>
             <a:pPr indent="0">
-              <a:buFont typeface="Arial" panose="020B0604020202090204" pitchFamily="34" charset="0"/>
+              <a:buFont typeface="Arial" panose="02080604020202020204" pitchFamily="34" charset="0"/>
               <a:buNone/>
             </a:pPr>
             <a:r>
@@ -4506,7 +4645,7 @@
           </a:p>
           <a:p>
             <a:pPr marL="285750" indent="-285750">
-              <a:buFont typeface="Arial" panose="020B0604020202090204" pitchFamily="34" charset="0"/>
+              <a:buFont typeface="Arial" panose="02080604020202020204" pitchFamily="34" charset="0"/>
               <a:buChar char="•"/>
             </a:pPr>
             <a:r>
@@ -4541,7 +4680,7 @@
           </a:p>
           <a:p>
             <a:pPr marL="285750" indent="-285750">
-              <a:buFont typeface="Arial" panose="020B0604020202090204" pitchFamily="34" charset="0"/>
+              <a:buFont typeface="Arial" panose="02080604020202020204" pitchFamily="34" charset="0"/>
               <a:buChar char="•"/>
             </a:pPr>
             <a:r>
@@ -4743,7 +4882,7 @@
 </p:sld>
 </file>
 
-<file path=ppt/slides/slide12.xml><?xml version="1.0" encoding="utf-8"?>
+<file path=ppt/slides/slide13.xml><?xml version="1.0" encoding="utf-8"?>
 <p:sld xmlns:a="http://schemas.openxmlformats.org/drawingml/2006/main" xmlns:r="http://schemas.openxmlformats.org/officeDocument/2006/relationships" xmlns:p="http://schemas.openxmlformats.org/presentationml/2006/main">
   <p:cSld>
     <p:spTree>
@@ -4961,7 +5100,7 @@
           </a:bodyPr>
           <a:p>
             <a:pPr marL="285750" indent="-285750">
-              <a:buFont typeface="Arial" panose="020B0604020202090204" pitchFamily="34" charset="0"/>
+              <a:buFont typeface="Arial" panose="02080604020202020204" pitchFamily="34" charset="0"/>
               <a:buChar char="•"/>
             </a:pPr>
             <a:r>
@@ -5004,7 +5143,7 @@
           </a:p>
           <a:p>
             <a:pPr marL="285750" indent="-285750">
-              <a:buFont typeface="Arial" panose="020B0604020202090204" pitchFamily="34" charset="0"/>
+              <a:buFont typeface="Arial" panose="02080604020202020204" pitchFamily="34" charset="0"/>
               <a:buChar char="•"/>
             </a:pPr>
             <a:r>
@@ -5063,7 +5202,7 @@
           </a:p>
           <a:p>
             <a:pPr marL="285750" indent="-285750">
-              <a:buFont typeface="Arial" panose="020B0604020202090204" pitchFamily="34" charset="0"/>
+              <a:buFont typeface="Arial" panose="02080604020202020204" pitchFamily="34" charset="0"/>
               <a:buChar char="•"/>
             </a:pPr>
             <a:r>
@@ -5373,7 +5512,7 @@
 </p:sld>
 </file>
 
-<file path=ppt/slides/slide13.xml><?xml version="1.0" encoding="utf-8"?>
+<file path=ppt/slides/slide14.xml><?xml version="1.0" encoding="utf-8"?>
 <p:sld xmlns:a="http://schemas.openxmlformats.org/drawingml/2006/main" xmlns:r="http://schemas.openxmlformats.org/officeDocument/2006/relationships" xmlns:p="http://schemas.openxmlformats.org/presentationml/2006/main">
   <p:cSld>
     <p:spTree>
@@ -5465,7 +5604,7 @@
 </p:sld>
 </file>
 
-<file path=ppt/slides/slide14.xml><?xml version="1.0" encoding="utf-8"?>
+<file path=ppt/slides/slide15.xml><?xml version="1.0" encoding="utf-8"?>
 <p:sld xmlns:a="http://schemas.openxmlformats.org/drawingml/2006/main" xmlns:r="http://schemas.openxmlformats.org/officeDocument/2006/relationships" xmlns:p="http://schemas.openxmlformats.org/presentationml/2006/main">
   <p:cSld>
     <p:spTree>
@@ -5586,7 +5725,7 @@
           </a:bodyPr>
           <a:p>
             <a:pPr marL="285750" indent="-285750">
-              <a:buFont typeface="Arial" panose="020B0604020202090204" pitchFamily="34" charset="0"/>
+              <a:buFont typeface="Arial" panose="02080604020202020204" pitchFamily="34" charset="0"/>
               <a:buChar char="•"/>
             </a:pPr>
             <a:r>
@@ -5609,14 +5748,14 @@
           </a:p>
           <a:p>
             <a:pPr indent="0">
-              <a:buFont typeface="Arial" panose="020B0604020202090204" pitchFamily="34" charset="0"/>
+              <a:buFont typeface="Arial" panose="02080604020202020204" pitchFamily="34" charset="0"/>
               <a:buNone/>
             </a:pPr>
             <a:endParaRPr lang="zh-CN" altLang="en-US"/>
           </a:p>
           <a:p>
             <a:pPr marL="285750" indent="-285750">
-              <a:buFont typeface="Arial" panose="020B0604020202090204" pitchFamily="34" charset="0"/>
+              <a:buFont typeface="Arial" panose="02080604020202020204" pitchFamily="34" charset="0"/>
               <a:buChar char="•"/>
             </a:pPr>
             <a:r>
@@ -5639,14 +5778,14 @@
           </a:p>
           <a:p>
             <a:pPr indent="0">
-              <a:buFont typeface="Arial" panose="020B0604020202090204" pitchFamily="34" charset="0"/>
+              <a:buFont typeface="Arial" panose="02080604020202020204" pitchFamily="34" charset="0"/>
               <a:buNone/>
             </a:pPr>
             <a:endParaRPr lang="zh-CN" altLang="en-US"/>
           </a:p>
           <a:p>
             <a:pPr marL="285750" indent="-285750">
-              <a:buFont typeface="Arial" panose="020B0604020202090204" pitchFamily="34" charset="0"/>
+              <a:buFont typeface="Arial" panose="02080604020202020204" pitchFamily="34" charset="0"/>
               <a:buChar char="•"/>
             </a:pPr>
             <a:r>
@@ -6943,7 +7082,7 @@
       <p:grpSpPr/>
       <p:sp>
         <p:nvSpPr>
-          <p:cNvPr id="2" name="标题 1"/>
+          <p:cNvPr id="2" name="Title 1"/>
           <p:cNvSpPr>
             <a:spLocks noGrp="1"/>
           </p:cNvSpPr>
@@ -6953,36 +7092,40 @@
         </p:nvSpPr>
         <p:spPr>
           <a:xfrm>
-            <a:off x="428625" y="297815"/>
-            <a:ext cx="5118735" cy="705485"/>
+            <a:off x="494030" y="394335"/>
+            <a:ext cx="4201160" cy="705485"/>
           </a:xfrm>
         </p:spPr>
         <p:txBody>
           <a:bodyPr/>
           <a:p>
             <a:r>
-              <a:rPr lang="zh-CN" altLang="en-US"/>
-              <a:t>集群内</a:t>
-            </a:r>
-            <a:r>
-              <a:rPr lang="en-US" altLang="zh-CN"/>
+              <a:rPr lang="zh-CN" altLang="en-US">
+                <a:ea typeface="SimSun" charset="0"/>
+              </a:rPr>
+              <a:t>同一节点</a:t>
+            </a:r>
+            <a:r>
+              <a:rPr lang="en-US" altLang="zh-CN">
+                <a:ea typeface="SimSun" charset="0"/>
+              </a:rPr>
               <a:t>Pod</a:t>
             </a:r>
             <a:r>
-              <a:rPr lang="zh-CN" altLang="en-US"/>
-              <a:t>间</a:t>
-            </a:r>
-            <a:r>
-              <a:rPr lang="zh-CN" altLang="en-US"/>
+              <a:rPr lang="zh-CN" altLang="en-US">
+                <a:ea typeface="SimSun" charset="0"/>
+              </a:rPr>
               <a:t>通信</a:t>
             </a:r>
-            <a:endParaRPr lang="zh-CN" altLang="en-US"/>
+            <a:endParaRPr lang="zh-CN" altLang="en-US">
+              <a:ea typeface="SimSun" charset="0"/>
+            </a:endParaRPr>
           </a:p>
         </p:txBody>
       </p:sp>
       <p:pic>
         <p:nvPicPr>
-          <p:cNvPr id="5" name="图片 4" descr="流程图-pod-on-same-node.drawio"/>
+          <p:cNvPr id="5" name="Picture 4" descr="cni-on-save-node"/>
           <p:cNvPicPr>
             <a:picLocks noChangeAspect="1"/>
           </p:cNvPicPr>
@@ -6996,8 +7139,8 @@
         </p:blipFill>
         <p:spPr>
           <a:xfrm>
-            <a:off x="778510" y="1003300"/>
-            <a:ext cx="4295775" cy="3343275"/>
+            <a:off x="648335" y="1351915"/>
+            <a:ext cx="4295775" cy="2486025"/>
           </a:xfrm>
           <a:prstGeom prst="rect">
             <a:avLst/>
@@ -7006,14 +7149,14 @@
       </p:pic>
       <p:sp>
         <p:nvSpPr>
-          <p:cNvPr id="7" name="文本框 6"/>
+          <p:cNvPr id="6" name="Text Box 5"/>
           <p:cNvSpPr txBox="1"/>
           <p:nvPr/>
         </p:nvSpPr>
         <p:spPr>
           <a:xfrm>
-            <a:off x="778510" y="4422140"/>
-            <a:ext cx="3954145" cy="1970405"/>
+            <a:off x="1242060" y="4004945"/>
+            <a:ext cx="3108960" cy="368300"/>
           </a:xfrm>
           <a:prstGeom prst="rect">
             <a:avLst/>
@@ -7021,157 +7164,36 @@
           <a:noFill/>
         </p:spPr>
         <p:txBody>
-          <a:bodyPr wrap="square" rtlCol="0">
-            <a:noAutofit/>
+          <a:bodyPr wrap="none" rtlCol="0">
+            <a:spAutoFit/>
           </a:bodyPr>
           <a:p>
             <a:r>
-              <a:rPr lang="en-US" altLang="zh-CN" sz="1400" b="1">
-                <a:latin typeface="PingFang SC Semibold" panose="020B0400000000000000" charset="-122"/>
-                <a:ea typeface="PingFang SC Semibold" panose="020B0400000000000000" charset="-122"/>
-                <a:cs typeface="PingFang SC Semibold" panose="020B0400000000000000" charset="-122"/>
-              </a:rPr>
-              <a:t>1. </a:t>
-            </a:r>
-            <a:r>
-              <a:rPr lang="zh-CN" altLang="en-US" sz="1400" b="1">
-                <a:latin typeface="PingFang SC Semibold" panose="020B0400000000000000" charset="-122"/>
-                <a:ea typeface="PingFang SC Semibold" panose="020B0400000000000000" charset="-122"/>
-                <a:cs typeface="PingFang SC Semibold" panose="020B0400000000000000" charset="-122"/>
-              </a:rPr>
-              <a:t>创建</a:t>
-            </a:r>
-            <a:r>
-              <a:rPr lang="en-US" altLang="zh-CN" sz="1400" b="1">
-                <a:latin typeface="PingFang SC Semibold" panose="020B0400000000000000" charset="-122"/>
-                <a:ea typeface="PingFang SC Semibold" panose="020B0400000000000000" charset="-122"/>
-                <a:cs typeface="PingFang SC Semibold" panose="020B0400000000000000" charset="-122"/>
-              </a:rPr>
-              <a:t>bridge</a:t>
-            </a:r>
-            <a:endParaRPr lang="en-US" altLang="zh-CN" sz="1400" b="1">
-              <a:latin typeface="PingFang SC Semibold" panose="020B0400000000000000" charset="-122"/>
-              <a:ea typeface="PingFang SC Semibold" panose="020B0400000000000000" charset="-122"/>
-              <a:cs typeface="PingFang SC Semibold" panose="020B0400000000000000" charset="-122"/>
+              <a:rPr lang="en-US">
+                <a:latin typeface="Noto Mono" panose="020B0609030804020204" charset="0"/>
+                <a:cs typeface="Noto Mono" panose="020B0609030804020204" charset="0"/>
+              </a:rPr>
+              <a:t>Pod0 -&gt; Pod1 </a:t>
+            </a:r>
+            <a:r>
+              <a:rPr lang="zh-CN" altLang="en-US">
+                <a:latin typeface="Noto Mono" panose="020B0609030804020204" charset="0"/>
+                <a:ea typeface="SimSun" charset="0"/>
+                <a:cs typeface="Noto Mono" panose="020B0609030804020204" charset="0"/>
+              </a:rPr>
+              <a:t>的通信示图</a:t>
+            </a:r>
+            <a:endParaRPr lang="zh-CN" altLang="en-US">
+              <a:latin typeface="Noto Mono" panose="020B0609030804020204" charset="0"/>
+              <a:ea typeface="SimSun" charset="0"/>
+              <a:cs typeface="Noto Mono" panose="020B0609030804020204" charset="0"/>
             </a:endParaRPr>
-          </a:p>
-          <a:p>
-            <a:r>
-              <a:rPr lang="en-US" altLang="zh-CN" sz="1400"/>
-              <a:t>ip link add br0 type bridge </a:t>
-            </a:r>
-            <a:endParaRPr lang="en-US" altLang="zh-CN" sz="1400"/>
-          </a:p>
-          <a:p>
-            <a:endParaRPr lang="en-US" altLang="zh-CN" sz="1400"/>
-          </a:p>
-          <a:p>
-            <a:r>
-              <a:rPr lang="en-US" altLang="zh-CN" sz="1400" b="1">
-                <a:latin typeface="PingFang SC Semibold" panose="020B0400000000000000" charset="-122"/>
-                <a:ea typeface="PingFang SC Semibold" panose="020B0400000000000000" charset="-122"/>
-                <a:cs typeface="PingFang SC Semibold" panose="020B0400000000000000" charset="-122"/>
-              </a:rPr>
-              <a:t>2. </a:t>
-            </a:r>
-            <a:r>
-              <a:rPr lang="zh-CN" altLang="en-US" sz="1400" b="1">
-                <a:latin typeface="PingFang SC Semibold" panose="020B0400000000000000" charset="-122"/>
-                <a:ea typeface="PingFang SC Semibold" panose="020B0400000000000000" charset="-122"/>
-                <a:cs typeface="PingFang SC Semibold" panose="020B0400000000000000" charset="-122"/>
-              </a:rPr>
-              <a:t>将</a:t>
-            </a:r>
-            <a:r>
-              <a:rPr lang="en-US" altLang="zh-CN" sz="1400" b="1">
-                <a:latin typeface="PingFang SC Semibold" panose="020B0400000000000000" charset="-122"/>
-                <a:ea typeface="PingFang SC Semibold" panose="020B0400000000000000" charset="-122"/>
-                <a:cs typeface="PingFang SC Semibold" panose="020B0400000000000000" charset="-122"/>
-              </a:rPr>
-              <a:t>veth</a:t>
-            </a:r>
-            <a:r>
-              <a:rPr lang="zh-CN" altLang="en-US" sz="1400" b="1">
-                <a:latin typeface="PingFang SC Semibold" panose="020B0400000000000000" charset="-122"/>
-                <a:ea typeface="PingFang SC Semibold" panose="020B0400000000000000" charset="-122"/>
-                <a:cs typeface="PingFang SC Semibold" panose="020B0400000000000000" charset="-122"/>
-              </a:rPr>
-              <a:t>的另一端加入到</a:t>
-            </a:r>
-            <a:r>
-              <a:rPr lang="en-US" altLang="zh-CN" sz="1400" b="1">
-                <a:latin typeface="PingFang SC Semibold" panose="020B0400000000000000" charset="-122"/>
-                <a:ea typeface="PingFang SC Semibold" panose="020B0400000000000000" charset="-122"/>
-                <a:cs typeface="PingFang SC Semibold" panose="020B0400000000000000" charset="-122"/>
-              </a:rPr>
-              <a:t>bridge br0</a:t>
-            </a:r>
-            <a:endParaRPr lang="en-US" altLang="zh-CN" sz="1400" b="1">
-              <a:latin typeface="PingFang SC Semibold" panose="020B0400000000000000" charset="-122"/>
-              <a:ea typeface="PingFang SC Semibold" panose="020B0400000000000000" charset="-122"/>
-              <a:cs typeface="PingFang SC Semibold" panose="020B0400000000000000" charset="-122"/>
-            </a:endParaRPr>
-          </a:p>
-          <a:p>
-            <a:r>
-              <a:rPr lang="en-US" altLang="zh-CN" sz="1400"/>
-              <a:t>ip link set veth0 master br0</a:t>
-            </a:r>
-            <a:endParaRPr lang="en-US" altLang="zh-CN" sz="1400"/>
-          </a:p>
-          <a:p>
-            <a:r>
-              <a:rPr lang="en-US" altLang="zh-CN" sz="1400"/>
-              <a:t>ip link set veth1 master br0</a:t>
-            </a:r>
-            <a:endParaRPr lang="en-US" altLang="zh-CN" sz="1400"/>
-          </a:p>
-          <a:p>
-            <a:endParaRPr lang="en-US" altLang="zh-CN" sz="1400"/>
-          </a:p>
-          <a:p>
-            <a:r>
-              <a:rPr lang="en-US" altLang="zh-CN" sz="1400" b="1">
-                <a:latin typeface="PingFang SC Semibold" panose="020B0400000000000000" charset="-122"/>
-                <a:ea typeface="PingFang SC Semibold" panose="020B0400000000000000" charset="-122"/>
-                <a:cs typeface="PingFang SC Semibold" panose="020B0400000000000000" charset="-122"/>
-              </a:rPr>
-              <a:t>3. </a:t>
-            </a:r>
-            <a:r>
-              <a:rPr lang="zh-CN" altLang="en-US" sz="1400" b="1">
-                <a:latin typeface="PingFang SC Semibold" panose="020B0400000000000000" charset="-122"/>
-                <a:ea typeface="PingFang SC Semibold" panose="020B0400000000000000" charset="-122"/>
-                <a:cs typeface="PingFang SC Semibold" panose="020B0400000000000000" charset="-122"/>
-              </a:rPr>
-              <a:t>添加路由</a:t>
-            </a:r>
-            <a:r>
-              <a:rPr lang="en-US" altLang="zh-CN" sz="1400" b="1">
-                <a:latin typeface="PingFang SC Semibold" panose="020B0400000000000000" charset="-122"/>
-                <a:ea typeface="PingFang SC Semibold" panose="020B0400000000000000" charset="-122"/>
-                <a:cs typeface="PingFang SC Semibold" panose="020B0400000000000000" charset="-122"/>
-              </a:rPr>
-              <a:t>ip</a:t>
-            </a:r>
-            <a:endParaRPr lang="en-US" altLang="zh-CN" sz="1400" b="1">
-              <a:latin typeface="PingFang SC Semibold" panose="020B0400000000000000" charset="-122"/>
-              <a:ea typeface="PingFang SC Semibold" panose="020B0400000000000000" charset="-122"/>
-              <a:cs typeface="PingFang SC Semibold" panose="020B0400000000000000" charset="-122"/>
-            </a:endParaRPr>
-          </a:p>
-          <a:p>
-            <a:r>
-              <a:rPr lang="en-US" altLang="zh-CN" sz="1400"/>
-              <a:t>ip link add 10.40.0.1/24</a:t>
-            </a:r>
-            <a:endParaRPr lang="en-US" altLang="zh-CN" sz="1400"/>
           </a:p>
         </p:txBody>
       </p:sp>
       <p:pic>
         <p:nvPicPr>
-          <p:cNvPr id="8" name="图片 7" descr="流程图-pod-on-diff-node.drawio"/>
+          <p:cNvPr id="7" name="Picture 6" descr="bridge-list-eth"/>
           <p:cNvPicPr>
             <a:picLocks noChangeAspect="1"/>
           </p:cNvPicPr>
@@ -7185,8 +7207,8 @@
         </p:blipFill>
         <p:spPr>
           <a:xfrm>
-            <a:off x="6296660" y="471170"/>
-            <a:ext cx="5438775" cy="3533775"/>
+            <a:off x="494030" y="4860290"/>
+            <a:ext cx="9624695" cy="1247775"/>
           </a:xfrm>
           <a:prstGeom prst="rect">
             <a:avLst/>
@@ -7195,14 +7217,14 @@
       </p:pic>
       <p:sp>
         <p:nvSpPr>
-          <p:cNvPr id="9" name="文本框 8"/>
+          <p:cNvPr id="8" name="Text Box 7"/>
           <p:cNvSpPr txBox="1"/>
           <p:nvPr/>
         </p:nvSpPr>
         <p:spPr>
           <a:xfrm>
-            <a:off x="6296660" y="4238625"/>
-            <a:ext cx="5118735" cy="1814830"/>
+            <a:off x="3298825" y="6247130"/>
+            <a:ext cx="2978785" cy="368300"/>
           </a:xfrm>
           <a:prstGeom prst="rect">
             <a:avLst/>
@@ -7210,132 +7232,574 @@
           <a:noFill/>
         </p:spPr>
         <p:txBody>
+          <a:bodyPr wrap="none" rtlCol="0">
+            <a:spAutoFit/>
+          </a:bodyPr>
+          <a:p>
+            <a:r>
+              <a:rPr lang="zh-CN" altLang="en-US">
+                <a:ea typeface="SimSun" charset="0"/>
+              </a:rPr>
+              <a:t>网桥中包含的虚拟设备</a:t>
+            </a:r>
+            <a:r>
+              <a:rPr lang="en-US" altLang="zh-CN">
+                <a:ea typeface="SimSun" charset="0"/>
+              </a:rPr>
+              <a:t>veth</a:t>
+            </a:r>
+            <a:endParaRPr lang="en-US" altLang="zh-CN">
+              <a:ea typeface="SimSun" charset="0"/>
+            </a:endParaRPr>
+          </a:p>
+        </p:txBody>
+      </p:sp>
+      <p:sp>
+        <p:nvSpPr>
+          <p:cNvPr id="9" name="Text Box 8"/>
+          <p:cNvSpPr txBox="1"/>
+          <p:nvPr/>
+        </p:nvSpPr>
+        <p:spPr>
+          <a:xfrm>
+            <a:off x="5466080" y="802005"/>
+            <a:ext cx="6342380" cy="645160"/>
+          </a:xfrm>
+          <a:prstGeom prst="rect">
+            <a:avLst/>
+          </a:prstGeom>
+          <a:noFill/>
+        </p:spPr>
+        <p:txBody>
           <a:bodyPr wrap="square" rtlCol="0">
             <a:spAutoFit/>
           </a:bodyPr>
           <a:p>
-            <a:r>
-              <a:rPr lang="zh-CN" altLang="en-US" sz="1400"/>
-              <a:t>当请求到达网桥，网桥询问哪个</a:t>
-            </a:r>
-            <a:r>
-              <a:rPr lang="en-US" altLang="zh-CN" sz="1400"/>
-              <a:t> pod </a:t>
-            </a:r>
-            <a:r>
-              <a:rPr lang="zh-CN" altLang="en-US" sz="1400"/>
-              <a:t>拥有该</a:t>
-            </a:r>
-            <a:r>
-              <a:rPr lang="en-US" altLang="zh-CN" sz="1400"/>
-              <a:t> IP </a:t>
-            </a:r>
-            <a:r>
-              <a:rPr lang="zh-CN" altLang="en-US" sz="1400"/>
-              <a:t>但是没有得到回应。流程进入主机的路由寻址过程，到更高的集群层面</a:t>
-            </a:r>
-            <a:endParaRPr lang="zh-CN" altLang="en-US" sz="1400"/>
-          </a:p>
-          <a:p>
-            <a:r>
-              <a:rPr lang="zh-CN" altLang="en-US" sz="1400"/>
-              <a:t>在集群层面有一张路由表，里面存储着每个节点的</a:t>
-            </a:r>
-            <a:r>
-              <a:rPr lang="en-US" altLang="zh-CN" sz="1400"/>
-              <a:t> Pod IP </a:t>
-            </a:r>
-            <a:r>
-              <a:rPr lang="zh-CN" altLang="en-US" sz="1400"/>
-              <a:t>网段（节点加入到集群时会分配一个</a:t>
-            </a:r>
-            <a:r>
-              <a:rPr lang="en-US" altLang="zh-CN" sz="1400"/>
-              <a:t> Pod </a:t>
-            </a:r>
-            <a:r>
-              <a:rPr lang="zh-CN" altLang="en-US" sz="1400"/>
-              <a:t>网段（</a:t>
-            </a:r>
-            <a:r>
-              <a:rPr lang="en-US" altLang="zh-CN" sz="1400"/>
-              <a:t>Pod CIDR</a:t>
-            </a:r>
-            <a:r>
-              <a:rPr lang="zh-CN" altLang="en-US" sz="1400"/>
-              <a:t>），比如在</a:t>
-            </a:r>
-            <a:r>
-              <a:rPr lang="en-US" altLang="zh-CN" sz="1400"/>
-              <a:t> k3s </a:t>
-            </a:r>
-            <a:r>
-              <a:rPr lang="zh-CN" altLang="en-US" sz="1400"/>
-              <a:t>中默认的</a:t>
-            </a:r>
-            <a:r>
-              <a:rPr lang="en-US" altLang="zh-CN" sz="1400"/>
-              <a:t> Pod CIDR </a:t>
-            </a:r>
-            <a:r>
-              <a:rPr lang="zh-CN" altLang="en-US" sz="1400"/>
-              <a:t>是</a:t>
-            </a:r>
-            <a:r>
-              <a:rPr lang="en-US" altLang="zh-CN" sz="1400"/>
-              <a:t> 10.42.0.0/16</a:t>
-            </a:r>
-            <a:r>
-              <a:rPr lang="zh-CN" altLang="en-US" sz="1400"/>
-              <a:t>，节点获取到的网段是</a:t>
-            </a:r>
-            <a:r>
-              <a:rPr lang="en-US" altLang="zh-CN" sz="1400"/>
-              <a:t> 10.42.0.0/24</a:t>
-            </a:r>
-            <a:r>
-              <a:rPr lang="zh-CN" altLang="en-US" sz="1400"/>
-              <a:t>、</a:t>
-            </a:r>
-            <a:r>
-              <a:rPr lang="en-US" altLang="zh-CN" sz="1400"/>
-              <a:t>10.42.1.0/24</a:t>
-            </a:r>
-            <a:r>
-              <a:rPr lang="zh-CN" altLang="en-US" sz="1400"/>
-              <a:t>、</a:t>
-            </a:r>
-            <a:r>
-              <a:rPr lang="en-US" altLang="zh-CN" sz="1400"/>
-              <a:t>10.42.2.0/24</a:t>
-            </a:r>
-            <a:r>
-              <a:rPr lang="zh-CN" altLang="en-US" sz="1400"/>
-              <a:t>，依次类推）。通过节点的</a:t>
-            </a:r>
-            <a:r>
-              <a:rPr lang="en-US" altLang="zh-CN" sz="1400"/>
-              <a:t> Pod IP </a:t>
-            </a:r>
-            <a:r>
-              <a:rPr lang="zh-CN" altLang="en-US" sz="1400"/>
-              <a:t>网段可以判断出请求</a:t>
-            </a:r>
-            <a:r>
-              <a:rPr lang="en-US" altLang="zh-CN" sz="1400"/>
-              <a:t> IP </a:t>
-            </a:r>
-            <a:r>
-              <a:rPr lang="zh-CN" altLang="en-US" sz="1400"/>
-              <a:t>的节点，然后请求被发送到该节点</a:t>
-            </a:r>
-            <a:endParaRPr lang="zh-CN" altLang="en-US" sz="1400"/>
+            <a:pPr algn="l"/>
+            <a:r>
+              <a:rPr lang="en-US" altLang="zh-CN">
+                <a:ea typeface="SimSun" charset="0"/>
+              </a:rPr>
+              <a:t>cni0(</a:t>
+            </a:r>
+            <a:r>
+              <a:rPr lang="zh-CN" altLang="en-US">
+                <a:ea typeface="SimSun" charset="0"/>
+              </a:rPr>
+              <a:t>网桥</a:t>
+            </a:r>
+            <a:r>
+              <a:rPr lang="en-US" altLang="zh-CN">
+                <a:ea typeface="SimSun" charset="0"/>
+              </a:rPr>
+              <a:t> bridge)</a:t>
+            </a:r>
+            <a:r>
+              <a:rPr lang="zh-CN" altLang="en-US">
+                <a:ea typeface="SimSun" charset="0"/>
+              </a:rPr>
+              <a:t>：</a:t>
+            </a:r>
+            <a:r>
+              <a:rPr lang="en-US" altLang="zh-CN">
+                <a:ea typeface="SimSun" charset="0"/>
+              </a:rPr>
+              <a:t> 桥接就是把一台机器上的额若干网络接口连接起来</a:t>
+            </a:r>
+            <a:endParaRPr lang="en-US" altLang="zh-CN">
+              <a:ea typeface="SimSun" charset="0"/>
+            </a:endParaRPr>
+          </a:p>
+        </p:txBody>
+      </p:sp>
+      <p:pic>
+        <p:nvPicPr>
+          <p:cNvPr id="11" name="Picture 10" descr="route-table"/>
+          <p:cNvPicPr>
+            <a:picLocks noChangeAspect="1"/>
+          </p:cNvPicPr>
+          <p:nvPr/>
+        </p:nvPicPr>
+        <p:blipFill>
+          <a:blip r:embed="rId3"/>
+          <a:stretch>
+            <a:fillRect/>
+          </a:stretch>
+        </p:blipFill>
+        <p:spPr>
+          <a:xfrm>
+            <a:off x="5211445" y="1539240"/>
+            <a:ext cx="6980555" cy="1238250"/>
+          </a:xfrm>
+          <a:prstGeom prst="rect">
+            <a:avLst/>
+          </a:prstGeom>
+        </p:spPr>
+      </p:pic>
+      <p:sp>
+        <p:nvSpPr>
+          <p:cNvPr id="12" name="Text Box 11"/>
+          <p:cNvSpPr txBox="1"/>
+          <p:nvPr/>
+        </p:nvSpPr>
+        <p:spPr>
+          <a:xfrm>
+            <a:off x="5626100" y="2873375"/>
+            <a:ext cx="5262880" cy="337185"/>
+          </a:xfrm>
+          <a:prstGeom prst="rect">
+            <a:avLst/>
+          </a:prstGeom>
+          <a:noFill/>
+        </p:spPr>
+        <p:txBody>
+          <a:bodyPr wrap="none" rtlCol="0">
+            <a:spAutoFit/>
+          </a:bodyPr>
+          <a:p>
+            <a:r>
+              <a:rPr lang="zh-CN" altLang="en-US" sz="1600">
+                <a:latin typeface="Noto Mono" panose="020B0609030804020204" charset="0"/>
+                <a:ea typeface="SimSun" charset="0"/>
+                <a:cs typeface="Noto Mono" panose="020B0609030804020204" charset="0"/>
+              </a:rPr>
+              <a:t>发往</a:t>
+            </a:r>
+            <a:r>
+              <a:rPr lang="en-US" altLang="zh-CN" sz="1600">
+                <a:latin typeface="Noto Mono" panose="020B0609030804020204" charset="0"/>
+                <a:ea typeface="SimSun" charset="0"/>
+                <a:cs typeface="Noto Mono" panose="020B0609030804020204" charset="0"/>
+              </a:rPr>
+              <a:t>Pod2(10.42.0.3)-&gt;10.42.0.1(</a:t>
+            </a:r>
+            <a:r>
+              <a:rPr lang="zh-CN" altLang="en-US" sz="1600">
+                <a:latin typeface="Noto Mono" panose="020B0609030804020204" charset="0"/>
+                <a:ea typeface="SimSun" charset="0"/>
+                <a:cs typeface="Noto Mono" panose="020B0609030804020204" charset="0"/>
+              </a:rPr>
+              <a:t>匹配</a:t>
+            </a:r>
+            <a:r>
+              <a:rPr lang="en-US" altLang="zh-CN" sz="1600">
+                <a:latin typeface="Noto Mono" panose="020B0609030804020204" charset="0"/>
+                <a:ea typeface="SimSun" charset="0"/>
+                <a:cs typeface="Noto Mono" panose="020B0609030804020204" charset="0"/>
+              </a:rPr>
+              <a:t>)-&gt; cni0</a:t>
+            </a:r>
+            <a:endParaRPr lang="en-US" altLang="zh-CN" sz="1600">
+              <a:latin typeface="Noto Mono" panose="020B0609030804020204" charset="0"/>
+              <a:ea typeface="SimSun" charset="0"/>
+              <a:cs typeface="Noto Mono" panose="020B0609030804020204" charset="0"/>
+            </a:endParaRPr>
+          </a:p>
+        </p:txBody>
+      </p:sp>
+      <p:sp>
+        <p:nvSpPr>
+          <p:cNvPr id="13" name="Text Box 12"/>
+          <p:cNvSpPr txBox="1"/>
+          <p:nvPr/>
+        </p:nvSpPr>
+        <p:spPr>
+          <a:xfrm>
+            <a:off x="5466080" y="3338830"/>
+            <a:ext cx="5225415" cy="645160"/>
+          </a:xfrm>
+          <a:prstGeom prst="rect">
+            <a:avLst/>
+          </a:prstGeom>
+          <a:noFill/>
+        </p:spPr>
+        <p:txBody>
+          <a:bodyPr wrap="none" rtlCol="0">
+            <a:spAutoFit/>
+          </a:bodyPr>
+          <a:p>
+            <a:r>
+              <a:rPr lang="en-US"/>
+              <a:t>cni0</a:t>
+            </a:r>
+            <a:r>
+              <a:rPr lang="zh-CN" altLang="en-US">
+                <a:ea typeface="SimSun" charset="0"/>
+              </a:rPr>
+              <a:t>是如何知道目的</a:t>
+            </a:r>
+            <a:r>
+              <a:rPr lang="en-US" altLang="zh-CN">
+                <a:ea typeface="SimSun" charset="0"/>
+              </a:rPr>
+              <a:t>MAC</a:t>
+            </a:r>
+            <a:r>
+              <a:rPr lang="zh-CN" altLang="en-US">
+                <a:ea typeface="SimSun" charset="0"/>
+              </a:rPr>
+              <a:t>：</a:t>
+            </a:r>
+            <a:r>
+              <a:rPr lang="en-US" altLang="zh-CN">
+                <a:ea typeface="SimSun" charset="0"/>
+              </a:rPr>
+              <a:t> </a:t>
+            </a:r>
+            <a:r>
+              <a:rPr lang="zh-CN" altLang="en-US">
+                <a:ea typeface="SimSun" charset="0"/>
+              </a:rPr>
+              <a:t>（</a:t>
+            </a:r>
+            <a:r>
+              <a:rPr lang="en-US" altLang="zh-CN">
+                <a:ea typeface="SimSun" charset="0"/>
+              </a:rPr>
+              <a:t>mac </a:t>
+            </a:r>
+            <a:r>
+              <a:rPr lang="zh-CN" altLang="en-US">
+                <a:ea typeface="SimSun" charset="0"/>
+              </a:rPr>
+              <a:t>地址映射）：</a:t>
+            </a:r>
+            <a:endParaRPr lang="zh-CN" altLang="en-US">
+              <a:ea typeface="SimSun" charset="0"/>
+            </a:endParaRPr>
+          </a:p>
+          <a:p>
+            <a:r>
+              <a:rPr lang="en-US" altLang="zh-CN">
+                <a:ea typeface="SimSun" charset="0"/>
+              </a:rPr>
+              <a:t>   bridge fdb show br cni0</a:t>
+            </a:r>
+            <a:endParaRPr lang="en-US" altLang="zh-CN">
+              <a:ea typeface="SimSun" charset="0"/>
+            </a:endParaRPr>
+          </a:p>
+        </p:txBody>
+      </p:sp>
+    </p:spTree>
+  </p:cSld>
+  <p:clrMapOvr>
+    <a:masterClrMapping/>
+  </p:clrMapOvr>
+</p:sld>
+</file>
+
+<file path=ppt/slides/slide8.xml><?xml version="1.0" encoding="utf-8"?>
+<p:sld xmlns:a="http://schemas.openxmlformats.org/drawingml/2006/main" xmlns:r="http://schemas.openxmlformats.org/officeDocument/2006/relationships" xmlns:p="http://schemas.openxmlformats.org/presentationml/2006/main">
+  <p:cSld>
+    <p:spTree>
+      <p:nvGrpSpPr>
+        <p:cNvPr id="1" name=""/>
+        <p:cNvGrpSpPr/>
+        <p:nvPr/>
+      </p:nvGrpSpPr>
+      <p:grpSpPr/>
+      <p:sp>
+        <p:nvSpPr>
+          <p:cNvPr id="2" name="标题 1"/>
+          <p:cNvSpPr>
+            <a:spLocks noGrp="1"/>
+          </p:cNvSpPr>
+          <p:nvPr>
+            <p:ph type="title"/>
+          </p:nvPr>
+        </p:nvSpPr>
+        <p:spPr>
+          <a:xfrm>
+            <a:off x="428625" y="297815"/>
+            <a:ext cx="5118735" cy="705485"/>
+          </a:xfrm>
+        </p:spPr>
+        <p:txBody>
+          <a:bodyPr/>
+          <a:p>
+            <a:r>
+              <a:rPr lang="zh-CN" altLang="en-US"/>
+              <a:t>不同节点间</a:t>
+            </a:r>
+            <a:r>
+              <a:rPr lang="en-US" altLang="zh-CN"/>
+              <a:t>Pod</a:t>
+            </a:r>
+            <a:r>
+              <a:rPr lang="zh-CN" altLang="en-US">
+                <a:ea typeface="SimSun" charset="0"/>
+              </a:rPr>
+              <a:t>通信</a:t>
+            </a:r>
+            <a:endParaRPr lang="zh-CN" altLang="en-US">
+              <a:ea typeface="SimSun" charset="0"/>
+            </a:endParaRPr>
+          </a:p>
+        </p:txBody>
+      </p:sp>
+      <p:pic>
+        <p:nvPicPr>
+          <p:cNvPr id="3" name="Picture 2" descr="cni-on-diff-node"/>
+          <p:cNvPicPr>
+            <a:picLocks noChangeAspect="1"/>
+          </p:cNvPicPr>
+          <p:nvPr/>
+        </p:nvPicPr>
+        <p:blipFill>
+          <a:blip r:embed="rId1"/>
+          <a:stretch>
+            <a:fillRect/>
+          </a:stretch>
+        </p:blipFill>
+        <p:spPr>
+          <a:xfrm>
+            <a:off x="428625" y="1235075"/>
+            <a:ext cx="5915025" cy="3343275"/>
+          </a:xfrm>
+          <a:prstGeom prst="rect">
+            <a:avLst/>
+          </a:prstGeom>
+        </p:spPr>
+      </p:pic>
+      <p:sp>
+        <p:nvSpPr>
+          <p:cNvPr id="4" name="Text Box 3"/>
+          <p:cNvSpPr txBox="1"/>
+          <p:nvPr/>
+        </p:nvSpPr>
+        <p:spPr>
+          <a:xfrm>
+            <a:off x="1169670" y="4563110"/>
+            <a:ext cx="3637280" cy="337185"/>
+          </a:xfrm>
+          <a:prstGeom prst="rect">
+            <a:avLst/>
+          </a:prstGeom>
+          <a:noFill/>
+        </p:spPr>
+        <p:txBody>
+          <a:bodyPr wrap="none" rtlCol="0">
+            <a:spAutoFit/>
+          </a:bodyPr>
+          <a:p>
+            <a:pPr algn="l"/>
+            <a:r>
+              <a:rPr lang="zh-CN" altLang="en-US" sz="1600">
+                <a:latin typeface="Noto Mono" panose="020B0609030804020204" charset="0"/>
+                <a:ea typeface="SimSun" charset="0"/>
+                <a:cs typeface="Noto Mono" panose="020B0609030804020204" charset="0"/>
+              </a:rPr>
+              <a:t>不同节点上</a:t>
+            </a:r>
+            <a:r>
+              <a:rPr lang="en-US" altLang="zh-CN" sz="1600">
+                <a:latin typeface="Noto Mono" panose="020B0609030804020204" charset="0"/>
+                <a:ea typeface="SimSun" charset="0"/>
+                <a:cs typeface="Noto Mono" panose="020B0609030804020204" charset="0"/>
+              </a:rPr>
+              <a:t>Pod</a:t>
+            </a:r>
+            <a:r>
+              <a:rPr lang="zh-CN" altLang="en-US" sz="1600">
+                <a:latin typeface="Noto Mono" panose="020B0609030804020204" charset="0"/>
+                <a:ea typeface="SimSun" charset="0"/>
+                <a:cs typeface="Noto Mono" panose="020B0609030804020204" charset="0"/>
+              </a:rPr>
+              <a:t>的通信</a:t>
+            </a:r>
+            <a:r>
+              <a:rPr lang="en-US" altLang="zh-CN" sz="1600">
+                <a:latin typeface="Noto Mono" panose="020B0609030804020204" charset="0"/>
+                <a:ea typeface="SimSun" charset="0"/>
+                <a:cs typeface="Noto Mono" panose="020B0609030804020204" charset="0"/>
+              </a:rPr>
+              <a:t>(Pod1-&gt;Pod4)</a:t>
+            </a:r>
+            <a:endParaRPr lang="en-US" altLang="zh-CN" sz="1600">
+              <a:latin typeface="Noto Mono" panose="020B0609030804020204" charset="0"/>
+              <a:ea typeface="SimSun" charset="0"/>
+              <a:cs typeface="Noto Mono" panose="020B0609030804020204" charset="0"/>
+            </a:endParaRPr>
+          </a:p>
+        </p:txBody>
+      </p:sp>
+      <p:sp>
+        <p:nvSpPr>
+          <p:cNvPr id="6" name="Text Box 5"/>
+          <p:cNvSpPr txBox="1"/>
+          <p:nvPr/>
+        </p:nvSpPr>
+        <p:spPr>
+          <a:xfrm>
+            <a:off x="6343650" y="777240"/>
+            <a:ext cx="1889760" cy="306705"/>
+          </a:xfrm>
+          <a:prstGeom prst="rect">
+            <a:avLst/>
+          </a:prstGeom>
+          <a:noFill/>
+        </p:spPr>
+        <p:txBody>
+          <a:bodyPr wrap="none" rtlCol="0">
+            <a:spAutoFit/>
+          </a:bodyPr>
+          <a:p>
+            <a:r>
+              <a:rPr lang="en-US" altLang="zh-CN" sz="1400">
+                <a:ea typeface="SimSun" charset="0"/>
+              </a:rPr>
+              <a:t>flannel.1: vxlan</a:t>
+            </a:r>
+            <a:r>
+              <a:rPr lang="zh-CN" altLang="en-US" sz="1400">
+                <a:ea typeface="SimSun" charset="0"/>
+              </a:rPr>
+              <a:t>设备</a:t>
+            </a:r>
+            <a:endParaRPr lang="zh-CN" altLang="en-US" sz="1400">
+              <a:ea typeface="SimSun" charset="0"/>
+            </a:endParaRPr>
+          </a:p>
+        </p:txBody>
+      </p:sp>
+      <p:pic>
+        <p:nvPicPr>
+          <p:cNvPr id="10" name="Picture 9" descr="vxlan-data-frame"/>
+          <p:cNvPicPr>
+            <a:picLocks noChangeAspect="1"/>
+          </p:cNvPicPr>
+          <p:nvPr/>
+        </p:nvPicPr>
+        <p:blipFill>
+          <a:blip r:embed="rId2"/>
+          <a:stretch>
+            <a:fillRect/>
+          </a:stretch>
+        </p:blipFill>
+        <p:spPr>
+          <a:xfrm>
+            <a:off x="251460" y="5017770"/>
+            <a:ext cx="6856095" cy="1409700"/>
+          </a:xfrm>
+          <a:prstGeom prst="rect">
+            <a:avLst/>
+          </a:prstGeom>
+        </p:spPr>
+      </p:pic>
+      <p:pic>
+        <p:nvPicPr>
+          <p:cNvPr id="11" name="Picture 10" descr="fdb"/>
+          <p:cNvPicPr>
+            <a:picLocks noChangeAspect="1"/>
+          </p:cNvPicPr>
+          <p:nvPr/>
+        </p:nvPicPr>
+        <p:blipFill>
+          <a:blip r:embed="rId3"/>
+          <a:stretch>
+            <a:fillRect/>
+          </a:stretch>
+        </p:blipFill>
+        <p:spPr>
+          <a:xfrm>
+            <a:off x="7107555" y="1969135"/>
+            <a:ext cx="4581525" cy="571500"/>
+          </a:xfrm>
+          <a:prstGeom prst="rect">
+            <a:avLst/>
+          </a:prstGeom>
+        </p:spPr>
+      </p:pic>
+      <p:sp>
+        <p:nvSpPr>
+          <p:cNvPr id="12" name="Text Box 11"/>
+          <p:cNvSpPr txBox="1"/>
+          <p:nvPr/>
+        </p:nvSpPr>
+        <p:spPr>
+          <a:xfrm>
+            <a:off x="7107555" y="1475105"/>
+            <a:ext cx="3941445" cy="368300"/>
+          </a:xfrm>
+          <a:prstGeom prst="rect">
+            <a:avLst/>
+          </a:prstGeom>
+          <a:noFill/>
+        </p:spPr>
+        <p:txBody>
+          <a:bodyPr wrap="none" rtlCol="0">
+            <a:spAutoFit/>
+          </a:bodyPr>
+          <a:p>
+            <a:r>
+              <a:rPr lang="en-US"/>
+              <a:t>flannel.1</a:t>
+            </a:r>
+            <a:r>
+              <a:rPr lang="zh-CN" altLang="en-US">
+                <a:ea typeface="SimSun" charset="0"/>
+              </a:rPr>
+              <a:t>存储者对外节点的</a:t>
+            </a:r>
+            <a:r>
+              <a:rPr lang="en-US" altLang="zh-CN">
+                <a:ea typeface="SimSun" charset="0"/>
+              </a:rPr>
+              <a:t>mac</a:t>
+            </a:r>
+            <a:r>
+              <a:rPr lang="zh-CN" altLang="en-US">
+                <a:ea typeface="SimSun" charset="0"/>
+              </a:rPr>
+              <a:t>信息</a:t>
+            </a:r>
+            <a:endParaRPr lang="zh-CN" altLang="en-US">
+              <a:ea typeface="SimSun" charset="0"/>
+            </a:endParaRPr>
+          </a:p>
+        </p:txBody>
+      </p:sp>
+      <p:sp>
+        <p:nvSpPr>
+          <p:cNvPr id="13" name="Text Box 12"/>
+          <p:cNvSpPr txBox="1"/>
+          <p:nvPr/>
+        </p:nvSpPr>
+        <p:spPr>
+          <a:xfrm>
+            <a:off x="7107555" y="2666365"/>
+            <a:ext cx="1924685" cy="368300"/>
+          </a:xfrm>
+          <a:prstGeom prst="rect">
+            <a:avLst/>
+          </a:prstGeom>
+          <a:noFill/>
+        </p:spPr>
+        <p:txBody>
+          <a:bodyPr wrap="none" rtlCol="0">
+            <a:spAutoFit/>
+          </a:bodyPr>
+          <a:p>
+            <a:r>
+              <a:rPr lang="en-US"/>
+              <a:t>flannel.1 </a:t>
+            </a:r>
+            <a:r>
+              <a:rPr lang="zh-CN" altLang="en-US">
+                <a:ea typeface="SimSun" charset="0"/>
+              </a:rPr>
+              <a:t>获取？</a:t>
+            </a:r>
+            <a:endParaRPr lang="zh-CN" altLang="en-US">
+              <a:ea typeface="SimSun" charset="0"/>
+            </a:endParaRPr>
           </a:p>
         </p:txBody>
       </p:sp>
     </p:spTree>
     <p:custDataLst>
-      <p:tags r:id="rId3"/>
+      <p:tags r:id="rId4"/>
     </p:custDataLst>
   </p:cSld>
   <p:clrMapOvr>
@@ -7344,7 +7808,7 @@
 </p:sld>
 </file>
 
-<file path=ppt/slides/slide8.xml><?xml version="1.0" encoding="utf-8"?>
+<file path=ppt/slides/slide9.xml><?xml version="1.0" encoding="utf-8"?>
 <p:sld xmlns:a="http://schemas.openxmlformats.org/drawingml/2006/main" xmlns:r="http://schemas.openxmlformats.org/officeDocument/2006/relationships" xmlns:p="http://schemas.openxmlformats.org/presentationml/2006/main">
   <p:cSld>
     <p:spTree>
@@ -7412,95 +7876,33 @@
           </a:prstGeom>
         </p:spPr>
       </p:pic>
-    </p:spTree>
-    <p:custDataLst>
-      <p:tags r:id="rId2"/>
-    </p:custDataLst>
-  </p:cSld>
-  <p:clrMapOvr>
-    <a:masterClrMapping/>
-  </p:clrMapOvr>
-</p:sld>
-</file>
-
-<file path=ppt/slides/slide9.xml><?xml version="1.0" encoding="utf-8"?>
-<p:sld xmlns:a="http://schemas.openxmlformats.org/drawingml/2006/main" xmlns:r="http://schemas.openxmlformats.org/officeDocument/2006/relationships" xmlns:p="http://schemas.openxmlformats.org/presentationml/2006/main">
-  <p:cSld>
-    <p:spTree>
-      <p:nvGrpSpPr>
-        <p:cNvPr id="1" name=""/>
-        <p:cNvGrpSpPr/>
-        <p:nvPr/>
-      </p:nvGrpSpPr>
-      <p:grpSpPr/>
       <p:pic>
         <p:nvPicPr>
-          <p:cNvPr id="4" name="图片 3" descr="k8s-cni-conf"/>
+          <p:cNvPr id="3" name="Picture 2"/>
           <p:cNvPicPr>
             <a:picLocks noChangeAspect="1"/>
           </p:cNvPicPr>
           <p:nvPr/>
         </p:nvPicPr>
         <p:blipFill>
-          <a:blip r:embed="rId1"/>
+          <a:blip r:embed="rId2"/>
           <a:stretch>
             <a:fillRect/>
           </a:stretch>
         </p:blipFill>
         <p:spPr>
           <a:xfrm>
-            <a:off x="6527165" y="0"/>
-            <a:ext cx="5224145" cy="6858000"/>
+            <a:off x="608330" y="1527810"/>
+            <a:ext cx="3258820" cy="2419985"/>
           </a:xfrm>
           <a:prstGeom prst="rect">
             <a:avLst/>
           </a:prstGeom>
         </p:spPr>
       </p:pic>
-      <p:sp>
-        <p:nvSpPr>
-          <p:cNvPr id="5" name="文本框 4"/>
-          <p:cNvSpPr txBox="1"/>
-          <p:nvPr/>
-        </p:nvSpPr>
-        <p:spPr>
-          <a:xfrm>
-            <a:off x="1390650" y="343535"/>
-            <a:ext cx="4064000" cy="368300"/>
-          </a:xfrm>
-          <a:prstGeom prst="rect">
-            <a:avLst/>
-          </a:prstGeom>
-          <a:noFill/>
-        </p:spPr>
-        <p:txBody>
-          <a:bodyPr wrap="square" rtlCol="0">
-            <a:spAutoFit/>
-          </a:bodyPr>
-          <a:p>
-            <a:r>
-              <a:rPr lang="zh-CN" altLang="en-US"/>
-              <a:t>右图展示的是</a:t>
-            </a:r>
-            <a:r>
-              <a:rPr lang="en-US" altLang="zh-CN"/>
-              <a:t>flannel</a:t>
-            </a:r>
-            <a:r>
-              <a:rPr lang="zh-CN" altLang="en-US"/>
-              <a:t>的工作</a:t>
-            </a:r>
-            <a:r>
-              <a:rPr lang="zh-CN" altLang="en-US"/>
-              <a:t>流程</a:t>
-            </a:r>
-            <a:endParaRPr lang="zh-CN" altLang="en-US"/>
-          </a:p>
-        </p:txBody>
-      </p:sp>
     </p:spTree>
     <p:custDataLst>
-      <p:tags r:id="rId2"/>
+      <p:tags r:id="rId3"/>
     </p:custDataLst>
   </p:cSld>
   <p:clrMapOvr>
